--- a/module5/Data Science Journey.pptx
+++ b/module5/Data Science Journey.pptx
@@ -308,7 +308,7 @@
           <a:p>
             <a:fld id="{1D8BD707-D9CF-40AE-B4C6-C98DA3205C09}" type="datetimeFigureOut">
               <a:rPr lang="en-US"/>
-              <a:t>8/26/2021</a:t>
+              <a:t>5/31/2024</a:t>
             </a:fld>
             <a:endParaRPr lang="en-US"/>
           </a:p>
@@ -491,7 +491,7 @@
           <a:p>
             <a:fld id="{1D8BD707-D9CF-40AE-B4C6-C98DA3205C09}" type="datetimeFigureOut">
               <a:rPr lang="en-US"/>
-              <a:t>8/26/2021</a:t>
+              <a:t>5/31/2024</a:t>
             </a:fld>
             <a:endParaRPr lang="en-US"/>
           </a:p>
@@ -711,7 +711,7 @@
           <a:p>
             <a:fld id="{1D8BD707-D9CF-40AE-B4C6-C98DA3205C09}" type="datetimeFigureOut">
               <a:rPr lang="en-US"/>
-              <a:t>8/26/2021</a:t>
+              <a:t>5/31/2024</a:t>
             </a:fld>
             <a:endParaRPr lang="en-US"/>
           </a:p>
@@ -1015,7 +1015,7 @@
           <a:p>
             <a:fld id="{1D8BD707-D9CF-40AE-B4C6-C98DA3205C09}" type="datetimeFigureOut">
               <a:rPr lang="en-US"/>
-              <a:t>8/26/2021</a:t>
+              <a:t>5/31/2024</a:t>
             </a:fld>
             <a:endParaRPr lang="en-US"/>
           </a:p>
@@ -1290,7 +1290,7 @@
           <a:p>
             <a:fld id="{1D8BD707-D9CF-40AE-B4C6-C98DA3205C09}" type="datetimeFigureOut">
               <a:rPr lang="en-US"/>
-              <a:t>8/26/2021</a:t>
+              <a:t>5/31/2024</a:t>
             </a:fld>
             <a:endParaRPr lang="en-US"/>
           </a:p>
@@ -1621,7 +1621,7 @@
           <a:p>
             <a:fld id="{1D8BD707-D9CF-40AE-B4C6-C98DA3205C09}" type="datetimeFigureOut">
               <a:rPr lang="en-US"/>
-              <a:t>8/26/2021</a:t>
+              <a:t>5/31/2024</a:t>
             </a:fld>
             <a:endParaRPr lang="en-US"/>
           </a:p>
@@ -2092,8 +2092,8 @@
         </p:nvSpPr>
         <p:spPr>
           <a:xfrm>
-            <a:off x="1176019" y="4300220"/>
-            <a:ext cx="5885180" cy="1422825"/>
+            <a:off x="1176018" y="4300220"/>
+            <a:ext cx="6596381" cy="1422825"/>
           </a:xfrm>
           <a:prstGeom prst="rect">
             <a:avLst/>
@@ -2121,7 +2121,7 @@
                 <a:latin typeface="Arial"/>
                 <a:cs typeface="Arial"/>
               </a:rPr>
-              <a:t>Navas Sherif I</a:t>
+              <a:t>Durga Rao Ande</a:t>
             </a:r>
             <a:endParaRPr sz="2400" dirty="0">
               <a:latin typeface="Arial"/>
@@ -2144,17 +2144,9 @@
                 </a:solidFill>
                 <a:latin typeface="Arial"/>
                 <a:cs typeface="Arial"/>
-                <a:hlinkClick r:id="rId2"/>
-              </a:rPr>
-              <a:t>https://github.com/navassherif98</a:t>
-            </a:r>
-            <a:endParaRPr lang="en-IN" sz="2400" spc="70" dirty="0">
-              <a:solidFill>
-                <a:srgbClr val="616E52"/>
-              </a:solidFill>
-              <a:latin typeface="Arial"/>
-              <a:cs typeface="Arial"/>
-            </a:endParaRPr>
+              </a:rPr>
+              <a:t>https://github.com/durgaraoande/ibm_project</a:t>
+            </a:r>
           </a:p>
           <a:p>
             <a:pPr marL="12700">
@@ -2166,34 +2158,54 @@
               </a:spcBef>
             </a:pPr>
             <a:r>
-              <a:rPr sz="2400" spc="130" dirty="0">
+              <a:rPr lang="en-IN" sz="2400" spc="130" dirty="0">
                 <a:solidFill>
                   <a:srgbClr val="616E52"/>
                 </a:solidFill>
                 <a:latin typeface="Arial"/>
                 <a:cs typeface="Arial"/>
               </a:rPr>
-              <a:t>2</a:t>
-            </a:r>
-            <a:r>
-              <a:rPr lang="en-IN" sz="2400" spc="130" dirty="0">
+              <a:t>31</a:t>
+            </a:r>
+            <a:r>
+              <a:rPr sz="2400" spc="130" dirty="0">
                 <a:solidFill>
                   <a:srgbClr val="616E52"/>
                 </a:solidFill>
                 <a:latin typeface="Arial"/>
                 <a:cs typeface="Arial"/>
               </a:rPr>
-              <a:t>2</a:t>
-            </a:r>
-            <a:r>
-              <a:rPr sz="2400" spc="130" dirty="0">
+              <a:t>/0</a:t>
+            </a:r>
+            <a:r>
+              <a:rPr lang="en-IN" sz="2400" spc="130" dirty="0">
                 <a:solidFill>
                   <a:srgbClr val="616E52"/>
                 </a:solidFill>
                 <a:latin typeface="Arial"/>
                 <a:cs typeface="Arial"/>
               </a:rPr>
-              <a:t>/08/2021</a:t>
+              <a:t>5</a:t>
+            </a:r>
+            <a:r>
+              <a:rPr sz="2400" spc="130" dirty="0">
+                <a:solidFill>
+                  <a:srgbClr val="616E52"/>
+                </a:solidFill>
+                <a:latin typeface="Arial"/>
+                <a:cs typeface="Arial"/>
+              </a:rPr>
+              <a:t>/202</a:t>
+            </a:r>
+            <a:r>
+              <a:rPr lang="en-IN" sz="2400" spc="130" dirty="0">
+                <a:solidFill>
+                  <a:srgbClr val="616E52"/>
+                </a:solidFill>
+                <a:latin typeface="Arial"/>
+                <a:cs typeface="Arial"/>
+              </a:rPr>
+              <a:t>4</a:t>
             </a:r>
             <a:endParaRPr sz="2400" dirty="0">
               <a:latin typeface="Arial"/>
@@ -3156,7 +3168,7 @@
               </a:lnSpc>
             </a:pPr>
             <a:r>
-              <a:rPr sz="2000" u="heavy" spc="-5" dirty="0">
+              <a:rPr lang="en-US" sz="2000" u="heavy" spc="-5" dirty="0">
                 <a:solidFill>
                   <a:srgbClr val="404040"/>
                 </a:solidFill>
@@ -3171,7 +3183,7 @@
               <a:t>GitHub url: </a:t>
             </a:r>
             <a:r>
-              <a:rPr sz="2000" spc="-5" dirty="0">
+              <a:rPr lang="en-US" sz="2000" spc="-5" dirty="0">
                 <a:solidFill>
                   <a:srgbClr val="404040"/>
                 </a:solidFill>
@@ -3181,7 +3193,7 @@
               <a:t> </a:t>
             </a:r>
             <a:r>
-              <a:rPr lang="en-IN" sz="2000" u="heavy" spc="-5" dirty="0">
+              <a:rPr lang="en-US" sz="2000" u="heavy" spc="-5" dirty="0">
                 <a:solidFill>
                   <a:srgbClr val="2996E1"/>
                 </a:solidFill>
@@ -3192,11 +3204,10 @@
                 </a:uFill>
                 <a:latin typeface="Carlito"/>
                 <a:cs typeface="Carlito"/>
-                <a:hlinkClick r:id="rId2"/>
-              </a:rPr>
-              <a:t>https://github.com/navassherif98/IBM_Data_Science_Professional_Certification/blob/master/10.Applied_Data_Science_Capstone/Week%201%20Introduction/Data%20wrangling%20.ipynb</a:t>
-            </a:r>
-            <a:endParaRPr sz="2000" dirty="0">
+              </a:rPr>
+              <a:t>https://github.com/durgaraoande/ibm_project/blob/main/module1/Data%20wrangling%20.ipynb</a:t>
+            </a:r>
+            <a:endParaRPr lang="en-US" sz="2000" dirty="0">
               <a:latin typeface="Carlito"/>
               <a:cs typeface="Carlito"/>
             </a:endParaRPr>
@@ -4223,9 +4234,8 @@
                 </a:uFill>
                 <a:latin typeface="Carlito"/>
                 <a:cs typeface="Carlito"/>
-                <a:hlinkClick r:id="rId2"/>
-              </a:rPr>
-              <a:t>https://github.com/navassherif98/IBM_Data_Science_Professional_Certification/blob/master/10.Applied_Data_Science_Capstone/Week%202%20EDA/EDA%20with%20Visualization.ipynb</a:t>
+              </a:rPr>
+              <a:t>https://github.com/durgaraoande/ibm_project/blob/main/module2/EDA%20with%20Visualization.ipynb</a:t>
             </a:r>
             <a:endParaRPr sz="2000" dirty="0">
               <a:latin typeface="Carlito"/>
@@ -4925,9 +4935,8 @@
                 </a:uFill>
                 <a:latin typeface="Carlito"/>
                 <a:cs typeface="Carlito"/>
-                <a:hlinkClick r:id="rId2"/>
-              </a:rPr>
-              <a:t>https://github.com/navassherif98/IBM_Data_Science_Professional_Certification/blob/master/10.Applied_Data_Science_Capstone/Week%202%20EDA/EDA%20with%20SQL.ipynb</a:t>
+              </a:rPr>
+              <a:t>https://github.com/durgaraoande/ibm_project/blob/main/module2/EDA%20with%20SQL.ipynb</a:t>
             </a:r>
             <a:endParaRPr sz="2000" dirty="0">
               <a:latin typeface="Carlito"/>
@@ -5110,7 +5119,7 @@
         <p:spPr>
           <a:xfrm>
             <a:off x="1176019" y="1824608"/>
-            <a:ext cx="9765665" cy="3162789"/>
+            <a:ext cx="9765665" cy="2701124"/>
           </a:xfrm>
           <a:prstGeom prst="rect">
             <a:avLst/>
@@ -5559,9 +5568,8 @@
                 </a:uFill>
                 <a:latin typeface="Carlito"/>
                 <a:cs typeface="Carlito"/>
-                <a:hlinkClick r:id="rId2"/>
-              </a:rPr>
-              <a:t>https://github.com/navassherif98/IBM_Data_Science_Professional_Certification/blob/master/10.Applied_Data_Science_Capstone/Week%203%20Interactive%20Visual%20Analytics%20and%20Dashboard/Interactive%20Visual%20Analytics%20with%20Folium.ipynb</a:t>
+              </a:rPr>
+              <a:t>https://github.com/durgaraoande/ibm_project/blob/main/module3/Interactive%20Visual%20Analytics%20with%20Folium.ipynb</a:t>
             </a:r>
             <a:endParaRPr sz="2000" dirty="0">
               <a:latin typeface="Carlito"/>
@@ -5744,7 +5752,7 @@
         <p:spPr>
           <a:xfrm>
             <a:off x="609600" y="1676247"/>
-            <a:ext cx="11430000" cy="4658711"/>
+            <a:ext cx="11430000" cy="3735382"/>
           </a:xfrm>
           <a:prstGeom prst="rect">
             <a:avLst/>
@@ -6616,9 +6624,8 @@
                 </a:uFill>
                 <a:latin typeface="Carlito"/>
                 <a:cs typeface="Carlito"/>
-                <a:hlinkClick r:id="rId2"/>
-              </a:rPr>
-              <a:t>https://github.com/navassherif98/IBM_Data_Science_Professional_Certification/blob/master/10.Applied_Data_Science_Capstone/Week%203%20Interactive%20Visual%20Analytics%20and%20Dashboard/spacex_dash_app.py</a:t>
+              </a:rPr>
+              <a:t>https://github.com/durgaraoande/ibm_project/blob/main/module3/spacex_dash_app.py</a:t>
             </a:r>
             <a:endParaRPr sz="2000" dirty="0">
               <a:latin typeface="Carlito"/>
@@ -6755,7 +6762,7 @@
         <p:spPr>
           <a:xfrm>
             <a:off x="533401" y="2472309"/>
-            <a:ext cx="3061208" cy="2796278"/>
+            <a:ext cx="3061208" cy="1565172"/>
           </a:xfrm>
           <a:prstGeom prst="rect">
             <a:avLst/>
@@ -6846,9 +6853,8 @@
               <a:rPr lang="en-IN" sz="2000" dirty="0">
                 <a:latin typeface="Carlito"/>
                 <a:cs typeface="Carlito"/>
-                <a:hlinkClick r:id="rId2"/>
-              </a:rPr>
-              <a:t>https://github.com/navassherif98/IBM_Data_Science_Professional_Certification/blob/master/10.Applied_Data_Science_Capstone/Week%204%20Predictive%20Analysis%20(Classification)/Machine%20Learning%20Prediction.ipynb</a:t>
+              </a:rPr>
+              <a:t>https://github.com/durgaraoande/ibm_project/blob/main/module4/Machine%20Learning%20Prediction.ipynb</a:t>
             </a:r>
             <a:endParaRPr sz="2000" dirty="0">
               <a:latin typeface="Carlito"/>
@@ -31448,7 +31454,7 @@
         <p:spPr>
           <a:xfrm>
             <a:off x="1176019" y="1496901"/>
-            <a:ext cx="8401050" cy="3782446"/>
+            <a:ext cx="8401050" cy="935513"/>
           </a:xfrm>
           <a:prstGeom prst="rect">
             <a:avLst/>
@@ -31554,461 +31560,10 @@
                 </a:uFill>
                 <a:latin typeface="Carlito"/>
                 <a:cs typeface="Carlito"/>
-                <a:hlinkClick r:id="rId2"/>
-              </a:rPr>
-              <a:t>https://github.com/navassherif98/IBM_Data_Science_Professional_Certification</a:t>
-            </a:r>
-            <a:endParaRPr sz="2000" dirty="0">
-              <a:latin typeface="Carlito"/>
-              <a:cs typeface="Carlito"/>
-            </a:endParaRPr>
-          </a:p>
-          <a:p>
-            <a:pPr>
-              <a:lnSpc>
-                <a:spcPct val="100000"/>
-              </a:lnSpc>
-              <a:spcBef>
-                <a:spcPts val="40"/>
-              </a:spcBef>
-            </a:pPr>
+              </a:rPr>
+              <a:t>https://github.com/durgaraoande/ibm_project</a:t>
+            </a:r>
             <a:endParaRPr sz="1750" dirty="0">
-              <a:latin typeface="Carlito"/>
-              <a:cs typeface="Carlito"/>
-            </a:endParaRPr>
-          </a:p>
-          <a:p>
-            <a:pPr marL="12700">
-              <a:lnSpc>
-                <a:spcPct val="100000"/>
-              </a:lnSpc>
-              <a:spcBef>
-                <a:spcPts val="5"/>
-              </a:spcBef>
-            </a:pPr>
-            <a:r>
-              <a:rPr sz="2000" u="heavy" spc="-5" dirty="0">
-                <a:solidFill>
-                  <a:srgbClr val="404040"/>
-                </a:solidFill>
-                <a:uFill>
-                  <a:solidFill>
-                    <a:srgbClr val="404040"/>
-                  </a:solidFill>
-                </a:uFill>
-                <a:latin typeface="Carlito"/>
-                <a:cs typeface="Carlito"/>
-              </a:rPr>
-              <a:t>Instructor</a:t>
-            </a:r>
-            <a:r>
-              <a:rPr lang="en-IN" sz="2000" u="heavy" spc="-5" dirty="0">
-                <a:solidFill>
-                  <a:srgbClr val="404040"/>
-                </a:solidFill>
-                <a:uFill>
-                  <a:solidFill>
-                    <a:srgbClr val="404040"/>
-                  </a:solidFill>
-                </a:uFill>
-                <a:latin typeface="Carlito"/>
-                <a:cs typeface="Carlito"/>
-              </a:rPr>
-              <a:t>s</a:t>
-            </a:r>
-            <a:r>
-              <a:rPr sz="2000" u="heavy" spc="-5" dirty="0">
-                <a:solidFill>
-                  <a:srgbClr val="404040"/>
-                </a:solidFill>
-                <a:uFill>
-                  <a:solidFill>
-                    <a:srgbClr val="404040"/>
-                  </a:solidFill>
-                </a:uFill>
-                <a:latin typeface="Carlito"/>
-                <a:cs typeface="Carlito"/>
-              </a:rPr>
-              <a:t>:</a:t>
-            </a:r>
-            <a:endParaRPr sz="2000" dirty="0">
-              <a:latin typeface="Carlito"/>
-              <a:cs typeface="Carlito"/>
-            </a:endParaRPr>
-          </a:p>
-          <a:p>
-            <a:pPr algn="l"/>
-            <a:r>
-              <a:rPr lang="en-IN" sz="2000" b="1" i="0" dirty="0">
-                <a:solidFill>
-                  <a:srgbClr val="24292F"/>
-                </a:solidFill>
-                <a:effectLst/>
-                <a:latin typeface="-apple-system"/>
-              </a:rPr>
-              <a:t>Instructors: </a:t>
-            </a:r>
-            <a:r>
-              <a:rPr lang="en-IN" sz="2000" b="1" i="0" dirty="0" err="1">
-                <a:solidFill>
-                  <a:srgbClr val="24292F"/>
-                </a:solidFill>
-                <a:effectLst/>
-                <a:latin typeface="-apple-system"/>
-              </a:rPr>
-              <a:t>Rav</a:t>
-            </a:r>
-            <a:r>
-              <a:rPr lang="en-IN" sz="2000" b="1" i="0" dirty="0">
-                <a:solidFill>
-                  <a:srgbClr val="24292F"/>
-                </a:solidFill>
-                <a:effectLst/>
-                <a:latin typeface="-apple-system"/>
-              </a:rPr>
-              <a:t> Ahuja, Alex </a:t>
-            </a:r>
-            <a:r>
-              <a:rPr lang="en-IN" sz="2000" b="1" i="0" dirty="0" err="1">
-                <a:solidFill>
-                  <a:srgbClr val="24292F"/>
-                </a:solidFill>
-                <a:effectLst/>
-                <a:latin typeface="-apple-system"/>
-              </a:rPr>
-              <a:t>Aklson</a:t>
-            </a:r>
-            <a:r>
-              <a:rPr lang="en-IN" sz="2000" b="1" i="0" dirty="0">
-                <a:solidFill>
-                  <a:srgbClr val="24292F"/>
-                </a:solidFill>
-                <a:effectLst/>
-                <a:latin typeface="-apple-system"/>
-              </a:rPr>
-              <a:t>, </a:t>
-            </a:r>
-            <a:r>
-              <a:rPr lang="en-IN" sz="2000" b="1" i="0" dirty="0" err="1">
-                <a:solidFill>
-                  <a:srgbClr val="24292F"/>
-                </a:solidFill>
-                <a:effectLst/>
-                <a:latin typeface="-apple-system"/>
-              </a:rPr>
-              <a:t>Aije</a:t>
-            </a:r>
-            <a:r>
-              <a:rPr lang="en-IN" sz="2000" b="1" i="0" dirty="0">
-                <a:solidFill>
-                  <a:srgbClr val="24292F"/>
-                </a:solidFill>
-                <a:effectLst/>
-                <a:latin typeface="-apple-system"/>
-              </a:rPr>
-              <a:t> </a:t>
-            </a:r>
-            <a:r>
-              <a:rPr lang="en-IN" sz="2000" b="1" i="0" dirty="0" err="1">
-                <a:solidFill>
-                  <a:srgbClr val="24292F"/>
-                </a:solidFill>
-                <a:effectLst/>
-                <a:latin typeface="-apple-system"/>
-              </a:rPr>
-              <a:t>Egwaikhide</a:t>
-            </a:r>
-            <a:r>
-              <a:rPr lang="en-IN" sz="2000" b="1" i="0" dirty="0">
-                <a:solidFill>
-                  <a:srgbClr val="24292F"/>
-                </a:solidFill>
-                <a:effectLst/>
-                <a:latin typeface="-apple-system"/>
-              </a:rPr>
-              <a:t>, Svetlana Levitan, Romeo </a:t>
-            </a:r>
-            <a:r>
-              <a:rPr lang="en-IN" sz="2000" b="1" i="0" dirty="0" err="1">
-                <a:solidFill>
-                  <a:srgbClr val="24292F"/>
-                </a:solidFill>
-                <a:effectLst/>
-                <a:latin typeface="-apple-system"/>
-              </a:rPr>
-              <a:t>Kienzler</a:t>
-            </a:r>
-            <a:r>
-              <a:rPr lang="en-IN" sz="2000" b="1" i="0" dirty="0">
-                <a:solidFill>
-                  <a:srgbClr val="24292F"/>
-                </a:solidFill>
-                <a:effectLst/>
-                <a:latin typeface="-apple-system"/>
-              </a:rPr>
-              <a:t>, </a:t>
-            </a:r>
-            <a:r>
-              <a:rPr lang="en-IN" sz="2000" b="1" i="0" dirty="0" err="1">
-                <a:solidFill>
-                  <a:srgbClr val="24292F"/>
-                </a:solidFill>
-                <a:effectLst/>
-                <a:latin typeface="-apple-system"/>
-              </a:rPr>
-              <a:t>Polong</a:t>
-            </a:r>
-            <a:r>
-              <a:rPr lang="en-IN" sz="2000" b="1" i="0" dirty="0">
-                <a:solidFill>
-                  <a:srgbClr val="24292F"/>
-                </a:solidFill>
-                <a:effectLst/>
-                <a:latin typeface="-apple-system"/>
-              </a:rPr>
-              <a:t> Lin, Joseph </a:t>
-            </a:r>
-            <a:r>
-              <a:rPr lang="en-IN" sz="2000" b="1" i="0" dirty="0" err="1">
-                <a:solidFill>
-                  <a:srgbClr val="24292F"/>
-                </a:solidFill>
-                <a:effectLst/>
-                <a:latin typeface="-apple-system"/>
-              </a:rPr>
-              <a:t>Santarcangelo</a:t>
-            </a:r>
-            <a:r>
-              <a:rPr lang="en-IN" sz="2000" b="1" i="0" dirty="0">
-                <a:solidFill>
-                  <a:srgbClr val="24292F"/>
-                </a:solidFill>
-                <a:effectLst/>
-                <a:latin typeface="-apple-system"/>
-              </a:rPr>
-              <a:t>, Azim </a:t>
-            </a:r>
-            <a:r>
-              <a:rPr lang="en-IN" sz="2000" b="1" i="0" dirty="0" err="1">
-                <a:solidFill>
-                  <a:srgbClr val="24292F"/>
-                </a:solidFill>
-                <a:effectLst/>
-                <a:latin typeface="-apple-system"/>
-              </a:rPr>
-              <a:t>Hirjani</a:t>
-            </a:r>
-            <a:r>
-              <a:rPr lang="en-IN" sz="2000" b="1" i="0" dirty="0">
-                <a:solidFill>
-                  <a:srgbClr val="24292F"/>
-                </a:solidFill>
-                <a:effectLst/>
-                <a:latin typeface="-apple-system"/>
-              </a:rPr>
-              <a:t>, </a:t>
-            </a:r>
-            <a:r>
-              <a:rPr lang="en-IN" sz="2000" b="1" i="0" dirty="0" err="1">
-                <a:solidFill>
-                  <a:srgbClr val="24292F"/>
-                </a:solidFill>
-                <a:effectLst/>
-                <a:latin typeface="-apple-system"/>
-              </a:rPr>
-              <a:t>Hima</a:t>
-            </a:r>
-            <a:r>
-              <a:rPr lang="en-IN" sz="2000" b="1" i="0" dirty="0">
-                <a:solidFill>
-                  <a:srgbClr val="24292F"/>
-                </a:solidFill>
-                <a:effectLst/>
-                <a:latin typeface="-apple-system"/>
-              </a:rPr>
-              <a:t> Vasudevan, </a:t>
-            </a:r>
-            <a:r>
-              <a:rPr lang="en-IN" sz="2000" b="1" i="0" dirty="0" err="1">
-                <a:solidFill>
-                  <a:srgbClr val="24292F"/>
-                </a:solidFill>
-                <a:effectLst/>
-                <a:latin typeface="-apple-system"/>
-              </a:rPr>
-              <a:t>Saishruthi</a:t>
-            </a:r>
-            <a:r>
-              <a:rPr lang="en-IN" sz="2000" b="1" i="0" dirty="0">
-                <a:solidFill>
-                  <a:srgbClr val="24292F"/>
-                </a:solidFill>
-                <a:effectLst/>
-                <a:latin typeface="-apple-system"/>
-              </a:rPr>
-              <a:t> Swaminathan, Saeed </a:t>
-            </a:r>
-            <a:r>
-              <a:rPr lang="en-IN" sz="2000" b="1" i="0" dirty="0" err="1">
-                <a:solidFill>
-                  <a:srgbClr val="24292F"/>
-                </a:solidFill>
-                <a:effectLst/>
-                <a:latin typeface="-apple-system"/>
-              </a:rPr>
-              <a:t>Aghabozorgi</a:t>
-            </a:r>
-            <a:r>
-              <a:rPr lang="en-IN" sz="2000" b="1" i="0" dirty="0">
-                <a:solidFill>
-                  <a:srgbClr val="24292F"/>
-                </a:solidFill>
-                <a:effectLst/>
-                <a:latin typeface="-apple-system"/>
-              </a:rPr>
-              <a:t>, Yan Luo</a:t>
-            </a:r>
-          </a:p>
-          <a:p>
-            <a:pPr>
-              <a:lnSpc>
-                <a:spcPct val="100000"/>
-              </a:lnSpc>
-            </a:pPr>
-            <a:endParaRPr sz="2000" dirty="0">
-              <a:latin typeface="Carlito"/>
-              <a:cs typeface="Carlito"/>
-            </a:endParaRPr>
-          </a:p>
-          <a:p>
-            <a:pPr>
-              <a:lnSpc>
-                <a:spcPct val="100000"/>
-              </a:lnSpc>
-              <a:spcBef>
-                <a:spcPts val="40"/>
-              </a:spcBef>
-            </a:pPr>
-            <a:endParaRPr sz="1750" dirty="0">
-              <a:latin typeface="Carlito"/>
-              <a:cs typeface="Carlito"/>
-            </a:endParaRPr>
-          </a:p>
-          <a:p>
-            <a:pPr marL="12700">
-              <a:lnSpc>
-                <a:spcPct val="100000"/>
-              </a:lnSpc>
-              <a:spcBef>
-                <a:spcPts val="5"/>
-              </a:spcBef>
-            </a:pPr>
-            <a:r>
-              <a:rPr sz="2000" u="heavy" dirty="0">
-                <a:solidFill>
-                  <a:srgbClr val="404040"/>
-                </a:solidFill>
-                <a:uFill>
-                  <a:solidFill>
-                    <a:srgbClr val="404040"/>
-                  </a:solidFill>
-                </a:uFill>
-                <a:latin typeface="Carlito"/>
-                <a:cs typeface="Carlito"/>
-              </a:rPr>
-              <a:t>Special </a:t>
-            </a:r>
-            <a:r>
-              <a:rPr sz="2000" u="heavy" spc="-15" dirty="0">
-                <a:solidFill>
-                  <a:srgbClr val="404040"/>
-                </a:solidFill>
-                <a:uFill>
-                  <a:solidFill>
-                    <a:srgbClr val="404040"/>
-                  </a:solidFill>
-                </a:uFill>
-                <a:latin typeface="Carlito"/>
-                <a:cs typeface="Carlito"/>
-              </a:rPr>
-              <a:t>Thanks </a:t>
-            </a:r>
-            <a:r>
-              <a:rPr sz="2000" u="heavy" spc="-20" dirty="0">
-                <a:solidFill>
-                  <a:srgbClr val="404040"/>
-                </a:solidFill>
-                <a:uFill>
-                  <a:solidFill>
-                    <a:srgbClr val="404040"/>
-                  </a:solidFill>
-                </a:uFill>
-                <a:latin typeface="Carlito"/>
-                <a:cs typeface="Carlito"/>
-              </a:rPr>
-              <a:t>to </a:t>
-            </a:r>
-            <a:r>
-              <a:rPr sz="2000" u="heavy" dirty="0">
-                <a:solidFill>
-                  <a:srgbClr val="404040"/>
-                </a:solidFill>
-                <a:uFill>
-                  <a:solidFill>
-                    <a:srgbClr val="404040"/>
-                  </a:solidFill>
-                </a:uFill>
-                <a:latin typeface="Carlito"/>
-                <a:cs typeface="Carlito"/>
-              </a:rPr>
-              <a:t>All </a:t>
-            </a:r>
-            <a:r>
-              <a:rPr sz="2000" u="heavy" spc="-20" dirty="0">
-                <a:solidFill>
-                  <a:srgbClr val="404040"/>
-                </a:solidFill>
-                <a:uFill>
-                  <a:solidFill>
-                    <a:srgbClr val="404040"/>
-                  </a:solidFill>
-                </a:uFill>
-                <a:latin typeface="Carlito"/>
-                <a:cs typeface="Carlito"/>
-              </a:rPr>
-              <a:t>Instructors:</a:t>
-            </a:r>
-            <a:endParaRPr sz="2000" dirty="0">
-              <a:latin typeface="Carlito"/>
-              <a:cs typeface="Carlito"/>
-            </a:endParaRPr>
-          </a:p>
-          <a:p>
-            <a:pPr marL="12700">
-              <a:lnSpc>
-                <a:spcPct val="100000"/>
-              </a:lnSpc>
-              <a:spcBef>
-                <a:spcPts val="1200"/>
-              </a:spcBef>
-            </a:pPr>
-            <a:r>
-              <a:rPr sz="2000" u="heavy" spc="-20" dirty="0">
-                <a:solidFill>
-                  <a:srgbClr val="800080"/>
-                </a:solidFill>
-                <a:uFill>
-                  <a:solidFill>
-                    <a:srgbClr val="2996E1"/>
-                  </a:solidFill>
-                </a:uFill>
-                <a:latin typeface="Carlito"/>
-                <a:cs typeface="Carlito"/>
-                <a:hlinkClick r:id="rId3"/>
-              </a:rPr>
-              <a:t>https://www.coursera.org/professional-certificates/ibm-data-science?#instructors</a:t>
-            </a:r>
-            <a:endParaRPr sz="2000" dirty="0">
               <a:latin typeface="Carlito"/>
               <a:cs typeface="Carlito"/>
             </a:endParaRPr>
@@ -36350,7 +35905,7 @@
         <p:spPr>
           <a:xfrm>
             <a:off x="535635" y="5215508"/>
-            <a:ext cx="2988945" cy="1271117"/>
+            <a:ext cx="2988945" cy="654795"/>
           </a:xfrm>
           <a:prstGeom prst="rect">
             <a:avLst/>
@@ -36382,9 +35937,8 @@
                 </a:uFill>
                 <a:latin typeface="Carlito"/>
                 <a:cs typeface="Carlito"/>
-                <a:hlinkClick r:id="rId23"/>
-              </a:rPr>
-              <a:t>https://github.com/navassherif98/IBM_Data_Science_Professional_Certification/blob/master/10.Applied_Data_Science_Capstone/Week%201%20Introduction/Data%20Collection%20Api%20.ipynb</a:t>
+              </a:rPr>
+              <a:t>https://github.com/durgaraoande/ibm_project/blob/main/module1/Data%20Collection%20Api%20.ipynb</a:t>
             </a:r>
             <a:endParaRPr sz="1500" dirty="0">
               <a:solidFill>
@@ -38193,7 +37747,7 @@
         <p:spPr>
           <a:xfrm>
             <a:off x="535635" y="4830826"/>
-            <a:ext cx="2988945" cy="1282402"/>
+            <a:ext cx="2988945" cy="866904"/>
           </a:xfrm>
           <a:prstGeom prst="rect">
             <a:avLst/>
@@ -38225,9 +37779,8 @@
                 </a:uFill>
                 <a:latin typeface="Carlito"/>
                 <a:cs typeface="Carlito"/>
-                <a:hlinkClick r:id="rId17"/>
-              </a:rPr>
-              <a:t>https://github.com/navassherif98/IBM_Data_Science_Professional_Certification/blob/master/10.Applied_Data_Science_Capstone/Week%201%20Introduction/Data%20Collection%20with%20Web%20Scraping.ipynb</a:t>
+              </a:rPr>
+              <a:t>https://github.com/durgaraoande/ibm_project/blob/main/module1/Data%20Collection%20with%20Web%20Scraping.ipynb</a:t>
             </a:r>
             <a:endParaRPr lang="en-IN" sz="1500" dirty="0">
               <a:latin typeface="Carlito"/>
